--- a/PhD/Figures/002/Figures_002.pptx
+++ b/PhD/Figures/002/Figures_002.pptx
@@ -5,7 +5,7 @@
     <p:sldMasterId id="2147483648" r:id="rId1"/>
   </p:sldMasterIdLst>
   <p:notesMasterIdLst>
-    <p:notesMasterId r:id="rId10"/>
+    <p:notesMasterId r:id="rId12"/>
   </p:notesMasterIdLst>
   <p:sldIdLst>
     <p:sldId id="256" r:id="rId2"/>
@@ -16,6 +16,8 @@
     <p:sldId id="261" r:id="rId7"/>
     <p:sldId id="262" r:id="rId8"/>
     <p:sldId id="263" r:id="rId9"/>
+    <p:sldId id="264" r:id="rId10"/>
+    <p:sldId id="265" r:id="rId11"/>
   </p:sldIdLst>
   <p:sldSz cx="12192000" cy="6858000"/>
   <p:notesSz cx="6858000" cy="9144000"/>
@@ -215,7 +217,7 @@
           <a:p>
             <a:fld id="{3242F98B-EF77-2242-8370-196C79AEC620}" type="datetimeFigureOut">
               <a:rPr kumimoji="1" lang="ja-JP" altLang="en-US" smtClean="0"/>
-              <a:t>2023/7/13</a:t>
+              <a:t>2023/7/15</a:t>
             </a:fld>
             <a:endParaRPr kumimoji="1" lang="ja-JP" altLang="en-US"/>
           </a:p>
@@ -2295,6 +2297,821 @@
     <p:extLst>
       <p:ext uri="{BB962C8B-B14F-4D97-AF65-F5344CB8AC3E}">
         <p14:creationId xmlns:p14="http://schemas.microsoft.com/office/powerpoint/2010/main" val="1750260916"/>
+      </p:ext>
+    </p:extLst>
+  </p:cSld>
+  <p:clrMapOvr>
+    <a:masterClrMapping/>
+  </p:clrMapOvr>
+</p:sld>
+</file>
+
+<file path=ppt/slides/slide10.xml><?xml version="1.0" encoding="utf-8"?>
+<p:sld xmlns:a="http://schemas.openxmlformats.org/drawingml/2006/main" xmlns:r="http://schemas.openxmlformats.org/officeDocument/2006/relationships" xmlns:p="http://schemas.openxmlformats.org/presentationml/2006/main">
+  <p:cSld>
+    <p:spTree>
+      <p:nvGrpSpPr>
+        <p:cNvPr id="1" name=""/>
+        <p:cNvGrpSpPr/>
+        <p:nvPr/>
+      </p:nvGrpSpPr>
+      <p:grpSpPr>
+        <a:xfrm>
+          <a:off x="0" y="0"/>
+          <a:ext cx="0" cy="0"/>
+          <a:chOff x="0" y="0"/>
+          <a:chExt cx="0" cy="0"/>
+        </a:xfrm>
+      </p:grpSpPr>
+      <p:grpSp>
+        <p:nvGrpSpPr>
+          <p:cNvPr id="18" name="グループ化 17">
+            <a:extLst>
+              <a:ext uri="{FF2B5EF4-FFF2-40B4-BE49-F238E27FC236}">
+                <a16:creationId xmlns:a16="http://schemas.microsoft.com/office/drawing/2014/main" id="{5B4FCCD2-C55C-EF02-328D-1D3252151AEB}"/>
+              </a:ext>
+            </a:extLst>
+          </p:cNvPr>
+          <p:cNvGrpSpPr/>
+          <p:nvPr/>
+        </p:nvGrpSpPr>
+        <p:grpSpPr>
+          <a:xfrm>
+            <a:off x="3770114" y="1629000"/>
+            <a:ext cx="4651771" cy="3600000"/>
+            <a:chOff x="3770114" y="1629000"/>
+            <a:chExt cx="4651771" cy="3600000"/>
+          </a:xfrm>
+        </p:grpSpPr>
+        <p:pic>
+          <p:nvPicPr>
+            <p:cNvPr id="2" name="図 1">
+              <a:extLst>
+                <a:ext uri="{FF2B5EF4-FFF2-40B4-BE49-F238E27FC236}">
+                  <a16:creationId xmlns:a16="http://schemas.microsoft.com/office/drawing/2014/main" id="{1B4AF54D-A0C9-665F-7795-5C9BAC281D67}"/>
+                </a:ext>
+              </a:extLst>
+            </p:cNvPr>
+            <p:cNvPicPr>
+              <a:picLocks noChangeAspect="1"/>
+            </p:cNvPicPr>
+            <p:nvPr/>
+          </p:nvPicPr>
+          <p:blipFill rotWithShape="1">
+            <a:blip r:embed="rId2"/>
+            <a:srcRect l="24180" t="8772" r="34773" b="68781"/>
+            <a:stretch/>
+          </p:blipFill>
+          <p:spPr>
+            <a:xfrm>
+              <a:off x="3770114" y="1629000"/>
+              <a:ext cx="4651771" cy="3600000"/>
+            </a:xfrm>
+            <a:prstGeom prst="rect">
+              <a:avLst/>
+            </a:prstGeom>
+          </p:spPr>
+        </p:pic>
+        <p:sp>
+          <p:nvSpPr>
+            <p:cNvPr id="3" name="正方形/長方形 2">
+              <a:extLst>
+                <a:ext uri="{FF2B5EF4-FFF2-40B4-BE49-F238E27FC236}">
+                  <a16:creationId xmlns:a16="http://schemas.microsoft.com/office/drawing/2014/main" id="{516FCAC1-7D3D-D39A-6ECB-DC273EAB192E}"/>
+                </a:ext>
+              </a:extLst>
+            </p:cNvPr>
+            <p:cNvSpPr/>
+            <p:nvPr/>
+          </p:nvSpPr>
+          <p:spPr>
+            <a:xfrm>
+              <a:off x="8061885" y="3429000"/>
+              <a:ext cx="360000" cy="1800000"/>
+            </a:xfrm>
+            <a:prstGeom prst="rect">
+              <a:avLst/>
+            </a:prstGeom>
+            <a:solidFill>
+              <a:schemeClr val="bg1"/>
+            </a:solidFill>
+            <a:ln>
+              <a:noFill/>
+            </a:ln>
+          </p:spPr>
+          <p:style>
+            <a:lnRef idx="2">
+              <a:schemeClr val="accent1">
+                <a:shade val="15000"/>
+              </a:schemeClr>
+            </a:lnRef>
+            <a:fillRef idx="1">
+              <a:schemeClr val="accent1"/>
+            </a:fillRef>
+            <a:effectRef idx="0">
+              <a:schemeClr val="accent1"/>
+            </a:effectRef>
+            <a:fontRef idx="minor">
+              <a:schemeClr val="lt1"/>
+            </a:fontRef>
+          </p:style>
+          <p:txBody>
+            <a:bodyPr rtlCol="0" anchor="ctr"/>
+            <a:lstStyle/>
+            <a:p>
+              <a:pPr algn="ctr"/>
+              <a:endParaRPr kumimoji="1" lang="ja-JP" altLang="en-US"/>
+            </a:p>
+          </p:txBody>
+        </p:sp>
+        <p:sp>
+          <p:nvSpPr>
+            <p:cNvPr id="7" name="正方形/長方形 6">
+              <a:extLst>
+                <a:ext uri="{FF2B5EF4-FFF2-40B4-BE49-F238E27FC236}">
+                  <a16:creationId xmlns:a16="http://schemas.microsoft.com/office/drawing/2014/main" id="{4DEA2324-D519-58C0-6F75-73699F64A283}"/>
+                </a:ext>
+              </a:extLst>
+            </p:cNvPr>
+            <p:cNvSpPr/>
+            <p:nvPr/>
+          </p:nvSpPr>
+          <p:spPr>
+            <a:xfrm>
+              <a:off x="6587575" y="4463751"/>
+              <a:ext cx="360000" cy="360000"/>
+            </a:xfrm>
+            <a:prstGeom prst="rect">
+              <a:avLst/>
+            </a:prstGeom>
+            <a:solidFill>
+              <a:schemeClr val="bg1"/>
+            </a:solidFill>
+            <a:ln>
+              <a:noFill/>
+            </a:ln>
+          </p:spPr>
+          <p:style>
+            <a:lnRef idx="2">
+              <a:schemeClr val="accent1">
+                <a:shade val="15000"/>
+              </a:schemeClr>
+            </a:lnRef>
+            <a:fillRef idx="1">
+              <a:schemeClr val="accent1"/>
+            </a:fillRef>
+            <a:effectRef idx="0">
+              <a:schemeClr val="accent1"/>
+            </a:effectRef>
+            <a:fontRef idx="minor">
+              <a:schemeClr val="lt1"/>
+            </a:fontRef>
+          </p:style>
+          <p:txBody>
+            <a:bodyPr rtlCol="0" anchor="ctr"/>
+            <a:lstStyle/>
+            <a:p>
+              <a:pPr algn="ctr"/>
+              <a:endParaRPr kumimoji="1" lang="ja-JP" altLang="en-US"/>
+            </a:p>
+          </p:txBody>
+        </p:sp>
+        <p:sp>
+          <p:nvSpPr>
+            <p:cNvPr id="8" name="正方形/長方形 7">
+              <a:extLst>
+                <a:ext uri="{FF2B5EF4-FFF2-40B4-BE49-F238E27FC236}">
+                  <a16:creationId xmlns:a16="http://schemas.microsoft.com/office/drawing/2014/main" id="{AAA3473F-82E7-7FB6-1543-23CB3E64F17D}"/>
+                </a:ext>
+              </a:extLst>
+            </p:cNvPr>
+            <p:cNvSpPr/>
+            <p:nvPr/>
+          </p:nvSpPr>
+          <p:spPr>
+            <a:xfrm>
+              <a:off x="4937552" y="2408378"/>
+              <a:ext cx="432000" cy="720000"/>
+            </a:xfrm>
+            <a:prstGeom prst="rect">
+              <a:avLst/>
+            </a:prstGeom>
+            <a:solidFill>
+              <a:schemeClr val="bg1"/>
+            </a:solidFill>
+            <a:ln>
+              <a:noFill/>
+            </a:ln>
+          </p:spPr>
+          <p:style>
+            <a:lnRef idx="2">
+              <a:schemeClr val="accent1">
+                <a:shade val="15000"/>
+              </a:schemeClr>
+            </a:lnRef>
+            <a:fillRef idx="1">
+              <a:schemeClr val="accent1"/>
+            </a:fillRef>
+            <a:effectRef idx="0">
+              <a:schemeClr val="accent1"/>
+            </a:effectRef>
+            <a:fontRef idx="minor">
+              <a:schemeClr val="lt1"/>
+            </a:fontRef>
+          </p:style>
+          <p:txBody>
+            <a:bodyPr rtlCol="0" anchor="ctr"/>
+            <a:lstStyle/>
+            <a:p>
+              <a:pPr algn="ctr"/>
+              <a:endParaRPr kumimoji="1" lang="ja-JP" altLang="en-US"/>
+            </a:p>
+          </p:txBody>
+        </p:sp>
+        <p:sp>
+          <p:nvSpPr>
+            <p:cNvPr id="9" name="正方形/長方形 8">
+              <a:extLst>
+                <a:ext uri="{FF2B5EF4-FFF2-40B4-BE49-F238E27FC236}">
+                  <a16:creationId xmlns:a16="http://schemas.microsoft.com/office/drawing/2014/main" id="{BE6F1956-E17C-4881-A19F-F856F1AA0B4C}"/>
+                </a:ext>
+              </a:extLst>
+            </p:cNvPr>
+            <p:cNvSpPr/>
+            <p:nvPr/>
+          </p:nvSpPr>
+          <p:spPr>
+            <a:xfrm>
+              <a:off x="5554072" y="2898662"/>
+              <a:ext cx="288000" cy="360000"/>
+            </a:xfrm>
+            <a:prstGeom prst="rect">
+              <a:avLst/>
+            </a:prstGeom>
+            <a:solidFill>
+              <a:schemeClr val="bg1"/>
+            </a:solidFill>
+            <a:ln>
+              <a:noFill/>
+            </a:ln>
+          </p:spPr>
+          <p:style>
+            <a:lnRef idx="2">
+              <a:schemeClr val="accent1">
+                <a:shade val="15000"/>
+              </a:schemeClr>
+            </a:lnRef>
+            <a:fillRef idx="1">
+              <a:schemeClr val="accent1"/>
+            </a:fillRef>
+            <a:effectRef idx="0">
+              <a:schemeClr val="accent1"/>
+            </a:effectRef>
+            <a:fontRef idx="minor">
+              <a:schemeClr val="lt1"/>
+            </a:fontRef>
+          </p:style>
+          <p:txBody>
+            <a:bodyPr rtlCol="0" anchor="ctr"/>
+            <a:lstStyle/>
+            <a:p>
+              <a:pPr algn="ctr"/>
+              <a:endParaRPr kumimoji="1" lang="ja-JP" altLang="en-US"/>
+            </a:p>
+          </p:txBody>
+        </p:sp>
+        <mc:AlternateContent xmlns:mc="http://schemas.openxmlformats.org/markup-compatibility/2006">
+          <mc:Choice xmlns:a14="http://schemas.microsoft.com/office/drawing/2010/main" Requires="a14">
+            <p:sp>
+              <p:nvSpPr>
+                <p:cNvPr id="4" name="テキスト ボックス 3">
+                  <a:extLst>
+                    <a:ext uri="{FF2B5EF4-FFF2-40B4-BE49-F238E27FC236}">
+                      <a16:creationId xmlns:a16="http://schemas.microsoft.com/office/drawing/2014/main" id="{426C016B-41EB-9211-6B0A-29C9874A7383}"/>
+                    </a:ext>
+                  </a:extLst>
+                </p:cNvPr>
+                <p:cNvSpPr txBox="1"/>
+                <p:nvPr/>
+              </p:nvSpPr>
+              <p:spPr>
+                <a:xfrm>
+                  <a:off x="4978100" y="2485063"/>
+                  <a:ext cx="575972" cy="566630"/>
+                </a:xfrm>
+                <a:prstGeom prst="rect">
+                  <a:avLst/>
+                </a:prstGeom>
+                <a:noFill/>
+              </p:spPr>
+              <p:txBody>
+                <a:bodyPr wrap="none" rIns="144000" rtlCol="0">
+                  <a:spAutoFit/>
+                </a:bodyPr>
+                <a:lstStyle/>
+                <a:p>
+                  <a:pPr/>
+                  <a14:m>
+                    <m:oMathPara xmlns:m="http://schemas.openxmlformats.org/officeDocument/2006/math">
+                      <m:oMathParaPr>
+                        <m:jc m:val="right"/>
+                      </m:oMathParaPr>
+                      <m:oMath xmlns:m="http://schemas.openxmlformats.org/officeDocument/2006/math">
+                        <m:f>
+                          <m:fPr>
+                            <m:ctrlPr>
+                              <a:rPr kumimoji="1" lang="en-US" altLang="ja-JP" i="1" smtClean="0">
+                                <a:latin typeface="Cambria Math" panose="02040503050406030204" pitchFamily="18" charset="0"/>
+                              </a:rPr>
+                            </m:ctrlPr>
+                          </m:fPr>
+                          <m:num>
+                            <m:r>
+                              <a:rPr kumimoji="1" lang="en-US" altLang="ja-JP" b="0" i="1" smtClean="0">
+                                <a:latin typeface="Cambria Math" panose="02040503050406030204" pitchFamily="18" charset="0"/>
+                              </a:rPr>
+                              <m:t>𝑐</m:t>
+                            </m:r>
+                          </m:num>
+                          <m:den>
+                            <m:r>
+                              <a:rPr kumimoji="1" lang="en-US" altLang="ja-JP" b="0" i="1" smtClean="0">
+                                <a:latin typeface="Cambria Math" panose="02040503050406030204" pitchFamily="18" charset="0"/>
+                              </a:rPr>
+                              <m:t>𝑛</m:t>
+                            </m:r>
+                          </m:den>
+                        </m:f>
+                        <m:r>
+                          <a:rPr kumimoji="1" lang="en-US" altLang="ja-JP" b="0" i="1" smtClean="0">
+                            <a:latin typeface="Cambria Math" panose="02040503050406030204" pitchFamily="18" charset="0"/>
+                          </a:rPr>
+                          <m:t>𝑡</m:t>
+                        </m:r>
+                      </m:oMath>
+                    </m:oMathPara>
+                  </a14:m>
+                  <a:endParaRPr kumimoji="1" lang="ja-JP" altLang="en-US"/>
+                </a:p>
+              </p:txBody>
+            </p:sp>
+          </mc:Choice>
+          <mc:Fallback>
+            <p:sp>
+              <p:nvSpPr>
+                <p:cNvPr id="4" name="テキスト ボックス 3">
+                  <a:extLst>
+                    <a:ext uri="{FF2B5EF4-FFF2-40B4-BE49-F238E27FC236}">
+                      <a16:creationId xmlns:a16="http://schemas.microsoft.com/office/drawing/2014/main" id="{426C016B-41EB-9211-6B0A-29C9874A7383}"/>
+                    </a:ext>
+                  </a:extLst>
+                </p:cNvPr>
+                <p:cNvSpPr txBox="1">
+                  <a:spLocks noRot="1" noChangeAspect="1" noMove="1" noResize="1" noEditPoints="1" noAdjustHandles="1" noChangeArrowheads="1" noChangeShapeType="1" noTextEdit="1"/>
+                </p:cNvSpPr>
+                <p:nvPr/>
+              </p:nvSpPr>
+              <p:spPr>
+                <a:xfrm>
+                  <a:off x="4978100" y="2485063"/>
+                  <a:ext cx="575972" cy="566630"/>
+                </a:xfrm>
+                <a:prstGeom prst="rect">
+                  <a:avLst/>
+                </a:prstGeom>
+                <a:blipFill>
+                  <a:blip r:embed="rId3"/>
+                  <a:stretch>
+                    <a:fillRect/>
+                  </a:stretch>
+                </a:blipFill>
+              </p:spPr>
+              <p:txBody>
+                <a:bodyPr/>
+                <a:lstStyle/>
+                <a:p>
+                  <a:r>
+                    <a:rPr lang="ja-JP" altLang="en-US">
+                      <a:noFill/>
+                    </a:rPr>
+                    <a:t> </a:t>
+                  </a:r>
+                </a:p>
+              </p:txBody>
+            </p:sp>
+          </mc:Fallback>
+        </mc:AlternateContent>
+        <mc:AlternateContent xmlns:mc="http://schemas.openxmlformats.org/markup-compatibility/2006">
+          <mc:Choice xmlns:a14="http://schemas.microsoft.com/office/drawing/2010/main" Requires="a14">
+            <p:sp>
+              <p:nvSpPr>
+                <p:cNvPr id="5" name="テキスト ボックス 4">
+                  <a:extLst>
+                    <a:ext uri="{FF2B5EF4-FFF2-40B4-BE49-F238E27FC236}">
+                      <a16:creationId xmlns:a16="http://schemas.microsoft.com/office/drawing/2014/main" id="{50673F3C-1C2F-7670-3ECC-26F43D580D7B}"/>
+                    </a:ext>
+                  </a:extLst>
+                </p:cNvPr>
+                <p:cNvSpPr txBox="1"/>
+                <p:nvPr/>
+              </p:nvSpPr>
+              <p:spPr>
+                <a:xfrm>
+                  <a:off x="5486155" y="2898662"/>
+                  <a:ext cx="423834" cy="362984"/>
+                </a:xfrm>
+                <a:prstGeom prst="rect">
+                  <a:avLst/>
+                </a:prstGeom>
+                <a:noFill/>
+              </p:spPr>
+              <p:txBody>
+                <a:bodyPr wrap="none" rtlCol="0">
+                  <a:spAutoFit/>
+                </a:bodyPr>
+                <a:lstStyle/>
+                <a:p>
+                  <a:pPr/>
+                  <a14:m>
+                    <m:oMath xmlns:m="http://schemas.openxmlformats.org/officeDocument/2006/math">
+                      <m:r>
+                        <a:rPr kumimoji="1" lang="ja-JP" altLang="en-US" i="1" smtClean="0">
+                          <a:latin typeface="Cambria Math" panose="02040503050406030204" pitchFamily="18" charset="0"/>
+                        </a:rPr>
+                        <m:t>𝜃</m:t>
+                      </m:r>
+                    </m:oMath>
+                  </a14:m>
+                  <a:r>
+                    <a:rPr kumimoji="1" lang="en-US" altLang="ja-JP" baseline="-25000" dirty="0">
+                      <a:latin typeface="Times New Roman" panose="02020603050405020304" pitchFamily="18" charset="0"/>
+                      <a:cs typeface="Times New Roman" panose="02020603050405020304" pitchFamily="18" charset="0"/>
+                    </a:rPr>
+                    <a:t>C</a:t>
+                  </a:r>
+                  <a:endParaRPr kumimoji="1" lang="ja-JP" altLang="en-US" baseline="-25000"/>
+                </a:p>
+              </p:txBody>
+            </p:sp>
+          </mc:Choice>
+          <mc:Fallback>
+            <p:sp>
+              <p:nvSpPr>
+                <p:cNvPr id="5" name="テキスト ボックス 4">
+                  <a:extLst>
+                    <a:ext uri="{FF2B5EF4-FFF2-40B4-BE49-F238E27FC236}">
+                      <a16:creationId xmlns:a16="http://schemas.microsoft.com/office/drawing/2014/main" id="{50673F3C-1C2F-7670-3ECC-26F43D580D7B}"/>
+                    </a:ext>
+                  </a:extLst>
+                </p:cNvPr>
+                <p:cNvSpPr txBox="1">
+                  <a:spLocks noRot="1" noChangeAspect="1" noMove="1" noResize="1" noEditPoints="1" noAdjustHandles="1" noChangeArrowheads="1" noChangeShapeType="1" noTextEdit="1"/>
+                </p:cNvSpPr>
+                <p:nvPr/>
+              </p:nvSpPr>
+              <p:spPr>
+                <a:xfrm>
+                  <a:off x="5486155" y="2898662"/>
+                  <a:ext cx="423834" cy="362984"/>
+                </a:xfrm>
+                <a:prstGeom prst="rect">
+                  <a:avLst/>
+                </a:prstGeom>
+                <a:blipFill>
+                  <a:blip r:embed="rId4"/>
+                  <a:stretch>
+                    <a:fillRect b="-20690"/>
+                  </a:stretch>
+                </a:blipFill>
+              </p:spPr>
+              <p:txBody>
+                <a:bodyPr/>
+                <a:lstStyle/>
+                <a:p>
+                  <a:r>
+                    <a:rPr lang="ja-JP" altLang="en-US">
+                      <a:noFill/>
+                    </a:rPr>
+                    <a:t> </a:t>
+                  </a:r>
+                </a:p>
+              </p:txBody>
+            </p:sp>
+          </mc:Fallback>
+        </mc:AlternateContent>
+        <mc:AlternateContent xmlns:mc="http://schemas.openxmlformats.org/markup-compatibility/2006">
+          <mc:Choice xmlns:a14="http://schemas.microsoft.com/office/drawing/2010/main" Requires="a14">
+            <p:sp>
+              <p:nvSpPr>
+                <p:cNvPr id="6" name="テキスト ボックス 5">
+                  <a:extLst>
+                    <a:ext uri="{FF2B5EF4-FFF2-40B4-BE49-F238E27FC236}">
+                      <a16:creationId xmlns:a16="http://schemas.microsoft.com/office/drawing/2014/main" id="{190101F0-2944-FB97-2217-0BC79528E2E8}"/>
+                    </a:ext>
+                  </a:extLst>
+                </p:cNvPr>
+                <p:cNvSpPr txBox="1">
+                  <a:spLocks noChangeAspect="1"/>
+                </p:cNvSpPr>
+                <p:nvPr/>
+              </p:nvSpPr>
+              <p:spPr>
+                <a:xfrm>
+                  <a:off x="5327575" y="4500586"/>
+                  <a:ext cx="2520000" cy="323165"/>
+                </a:xfrm>
+                <a:prstGeom prst="rect">
+                  <a:avLst/>
+                </a:prstGeom>
+                <a:noFill/>
+              </p:spPr>
+              <p:txBody>
+                <a:bodyPr wrap="square" bIns="0" rtlCol="0">
+                  <a:spAutoFit/>
+                </a:bodyPr>
+                <a:lstStyle/>
+                <a:p>
+                  <a:pPr/>
+                  <a14:m>
+                    <m:oMathPara xmlns:m="http://schemas.openxmlformats.org/officeDocument/2006/math">
+                      <m:oMathParaPr>
+                        <m:jc m:val="center"/>
+                      </m:oMathParaPr>
+                      <m:oMath xmlns:m="http://schemas.openxmlformats.org/officeDocument/2006/math">
+                        <m:r>
+                          <a:rPr kumimoji="1" lang="en-US" altLang="ja-JP" b="0" i="1" smtClean="0">
+                            <a:latin typeface="Cambria Math" panose="02040503050406030204" pitchFamily="18" charset="0"/>
+                          </a:rPr>
+                          <m:t>𝑣𝑡</m:t>
+                        </m:r>
+                      </m:oMath>
+                    </m:oMathPara>
+                  </a14:m>
+                  <a:endParaRPr kumimoji="1" lang="ja-JP" altLang="en-US"/>
+                </a:p>
+              </p:txBody>
+            </p:sp>
+          </mc:Choice>
+          <mc:Fallback>
+            <p:sp>
+              <p:nvSpPr>
+                <p:cNvPr id="6" name="テキスト ボックス 5">
+                  <a:extLst>
+                    <a:ext uri="{FF2B5EF4-FFF2-40B4-BE49-F238E27FC236}">
+                      <a16:creationId xmlns:a16="http://schemas.microsoft.com/office/drawing/2014/main" id="{190101F0-2944-FB97-2217-0BC79528E2E8}"/>
+                    </a:ext>
+                  </a:extLst>
+                </p:cNvPr>
+                <p:cNvSpPr txBox="1">
+                  <a:spLocks noRot="1" noChangeAspect="1" noMove="1" noResize="1" noEditPoints="1" noAdjustHandles="1" noChangeArrowheads="1" noChangeShapeType="1" noTextEdit="1"/>
+                </p:cNvSpPr>
+                <p:nvPr/>
+              </p:nvSpPr>
+              <p:spPr>
+                <a:xfrm>
+                  <a:off x="5327575" y="4500586"/>
+                  <a:ext cx="2520000" cy="323165"/>
+                </a:xfrm>
+                <a:prstGeom prst="rect">
+                  <a:avLst/>
+                </a:prstGeom>
+                <a:blipFill>
+                  <a:blip r:embed="rId5"/>
+                  <a:stretch>
+                    <a:fillRect b="-3846"/>
+                  </a:stretch>
+                </a:blipFill>
+              </p:spPr>
+              <p:txBody>
+                <a:bodyPr/>
+                <a:lstStyle/>
+                <a:p>
+                  <a:r>
+                    <a:rPr lang="ja-JP" altLang="en-US">
+                      <a:noFill/>
+                    </a:rPr>
+                    <a:t> </a:t>
+                  </a:r>
+                </a:p>
+              </p:txBody>
+            </p:sp>
+          </mc:Fallback>
+        </mc:AlternateContent>
+        <p:grpSp>
+          <p:nvGrpSpPr>
+            <p:cNvPr id="14" name="グループ化 13">
+              <a:extLst>
+                <a:ext uri="{FF2B5EF4-FFF2-40B4-BE49-F238E27FC236}">
+                  <a16:creationId xmlns:a16="http://schemas.microsoft.com/office/drawing/2014/main" id="{9EAE739F-8A6F-E56E-1412-44F40D40A1A4}"/>
+                </a:ext>
+              </a:extLst>
+            </p:cNvPr>
+            <p:cNvGrpSpPr/>
+            <p:nvPr/>
+          </p:nvGrpSpPr>
+          <p:grpSpPr>
+            <a:xfrm rot="20231827">
+              <a:off x="5656318" y="3952342"/>
+              <a:ext cx="252000" cy="252000"/>
+              <a:chOff x="3109993" y="2846522"/>
+              <a:chExt cx="252000" cy="252000"/>
+            </a:xfrm>
+          </p:grpSpPr>
+          <p:cxnSp>
+            <p:nvCxnSpPr>
+              <p:cNvPr id="11" name="直線コネクタ 10">
+                <a:extLst>
+                  <a:ext uri="{FF2B5EF4-FFF2-40B4-BE49-F238E27FC236}">
+                    <a16:creationId xmlns:a16="http://schemas.microsoft.com/office/drawing/2014/main" id="{95C34614-387A-B5CA-2428-875FFC669791}"/>
+                  </a:ext>
+                </a:extLst>
+              </p:cNvPr>
+              <p:cNvCxnSpPr/>
+              <p:nvPr/>
+            </p:nvCxnSpPr>
+            <p:spPr>
+              <a:xfrm>
+                <a:off x="3109993" y="2846522"/>
+                <a:ext cx="252000" cy="0"/>
+              </a:xfrm>
+              <a:prstGeom prst="line">
+                <a:avLst/>
+              </a:prstGeom>
+              <a:ln w="19050">
+                <a:solidFill>
+                  <a:srgbClr val="0432FF"/>
+                </a:solidFill>
+              </a:ln>
+            </p:spPr>
+            <p:style>
+              <a:lnRef idx="1">
+                <a:schemeClr val="accent1"/>
+              </a:lnRef>
+              <a:fillRef idx="0">
+                <a:schemeClr val="accent1"/>
+              </a:fillRef>
+              <a:effectRef idx="0">
+                <a:schemeClr val="accent1"/>
+              </a:effectRef>
+              <a:fontRef idx="minor">
+                <a:schemeClr val="tx1"/>
+              </a:fontRef>
+            </p:style>
+          </p:cxnSp>
+          <p:cxnSp>
+            <p:nvCxnSpPr>
+              <p:cNvPr id="12" name="直線コネクタ 11">
+                <a:extLst>
+                  <a:ext uri="{FF2B5EF4-FFF2-40B4-BE49-F238E27FC236}">
+                    <a16:creationId xmlns:a16="http://schemas.microsoft.com/office/drawing/2014/main" id="{4F513B01-477C-14B6-D628-8E494358285C}"/>
+                  </a:ext>
+                </a:extLst>
+              </p:cNvPr>
+              <p:cNvCxnSpPr>
+                <a:cxnSpLocks/>
+              </p:cNvCxnSpPr>
+              <p:nvPr/>
+            </p:nvCxnSpPr>
+            <p:spPr>
+              <a:xfrm flipV="1">
+                <a:off x="3361993" y="2846522"/>
+                <a:ext cx="0" cy="252000"/>
+              </a:xfrm>
+              <a:prstGeom prst="line">
+                <a:avLst/>
+              </a:prstGeom>
+              <a:ln w="19050">
+                <a:solidFill>
+                  <a:srgbClr val="0432FF"/>
+                </a:solidFill>
+              </a:ln>
+            </p:spPr>
+            <p:style>
+              <a:lnRef idx="1">
+                <a:schemeClr val="accent1"/>
+              </a:lnRef>
+              <a:fillRef idx="0">
+                <a:schemeClr val="accent1"/>
+              </a:fillRef>
+              <a:effectRef idx="0">
+                <a:schemeClr val="accent1"/>
+              </a:effectRef>
+              <a:fontRef idx="minor">
+                <a:schemeClr val="tx1"/>
+              </a:fontRef>
+            </p:style>
+          </p:cxnSp>
+        </p:grpSp>
+        <p:grpSp>
+          <p:nvGrpSpPr>
+            <p:cNvPr id="15" name="グループ化 14">
+              <a:extLst>
+                <a:ext uri="{FF2B5EF4-FFF2-40B4-BE49-F238E27FC236}">
+                  <a16:creationId xmlns:a16="http://schemas.microsoft.com/office/drawing/2014/main" id="{C9A4B3AB-50DD-41FC-04DA-6F6A851FCF2A}"/>
+                </a:ext>
+              </a:extLst>
+            </p:cNvPr>
+            <p:cNvGrpSpPr/>
+            <p:nvPr/>
+          </p:nvGrpSpPr>
+          <p:grpSpPr>
+            <a:xfrm rot="6763048">
+              <a:off x="5656645" y="2353043"/>
+              <a:ext cx="252000" cy="252000"/>
+              <a:chOff x="3109993" y="2846522"/>
+              <a:chExt cx="252000" cy="252000"/>
+            </a:xfrm>
+          </p:grpSpPr>
+          <p:cxnSp>
+            <p:nvCxnSpPr>
+              <p:cNvPr id="16" name="直線コネクタ 15">
+                <a:extLst>
+                  <a:ext uri="{FF2B5EF4-FFF2-40B4-BE49-F238E27FC236}">
+                    <a16:creationId xmlns:a16="http://schemas.microsoft.com/office/drawing/2014/main" id="{A256FA36-D3C6-0A69-989F-16C767055E93}"/>
+                  </a:ext>
+                </a:extLst>
+              </p:cNvPr>
+              <p:cNvCxnSpPr/>
+              <p:nvPr/>
+            </p:nvCxnSpPr>
+            <p:spPr>
+              <a:xfrm>
+                <a:off x="3109993" y="2846522"/>
+                <a:ext cx="252000" cy="0"/>
+              </a:xfrm>
+              <a:prstGeom prst="line">
+                <a:avLst/>
+              </a:prstGeom>
+              <a:ln w="19050">
+                <a:solidFill>
+                  <a:srgbClr val="0432FF"/>
+                </a:solidFill>
+              </a:ln>
+            </p:spPr>
+            <p:style>
+              <a:lnRef idx="1">
+                <a:schemeClr val="accent1"/>
+              </a:lnRef>
+              <a:fillRef idx="0">
+                <a:schemeClr val="accent1"/>
+              </a:fillRef>
+              <a:effectRef idx="0">
+                <a:schemeClr val="accent1"/>
+              </a:effectRef>
+              <a:fontRef idx="minor">
+                <a:schemeClr val="tx1"/>
+              </a:fontRef>
+            </p:style>
+          </p:cxnSp>
+          <p:cxnSp>
+            <p:nvCxnSpPr>
+              <p:cNvPr id="17" name="直線コネクタ 16">
+                <a:extLst>
+                  <a:ext uri="{FF2B5EF4-FFF2-40B4-BE49-F238E27FC236}">
+                    <a16:creationId xmlns:a16="http://schemas.microsoft.com/office/drawing/2014/main" id="{ACAA806C-4E19-1956-2C57-8D44FEE58B66}"/>
+                  </a:ext>
+                </a:extLst>
+              </p:cNvPr>
+              <p:cNvCxnSpPr>
+                <a:cxnSpLocks/>
+              </p:cNvCxnSpPr>
+              <p:nvPr/>
+            </p:nvCxnSpPr>
+            <p:spPr>
+              <a:xfrm flipV="1">
+                <a:off x="3361993" y="2846522"/>
+                <a:ext cx="0" cy="252000"/>
+              </a:xfrm>
+              <a:prstGeom prst="line">
+                <a:avLst/>
+              </a:prstGeom>
+              <a:ln w="19050">
+                <a:solidFill>
+                  <a:srgbClr val="0432FF"/>
+                </a:solidFill>
+              </a:ln>
+            </p:spPr>
+            <p:style>
+              <a:lnRef idx="1">
+                <a:schemeClr val="accent1"/>
+              </a:lnRef>
+              <a:fillRef idx="0">
+                <a:schemeClr val="accent1"/>
+              </a:fillRef>
+              <a:effectRef idx="0">
+                <a:schemeClr val="accent1"/>
+              </a:effectRef>
+              <a:fontRef idx="minor">
+                <a:schemeClr val="tx1"/>
+              </a:fontRef>
+            </p:style>
+          </p:cxnSp>
+        </p:grpSp>
+      </p:grpSp>
+    </p:spTree>
+    <p:extLst>
+      <p:ext uri="{BB962C8B-B14F-4D97-AF65-F5344CB8AC3E}">
+        <p14:creationId xmlns:p14="http://schemas.microsoft.com/office/powerpoint/2010/main" val="3083521248"/>
       </p:ext>
     </p:extLst>
   </p:cSld>
@@ -2831,6 +3648,185 @@
     <p:extLst>
       <p:ext uri="{BB962C8B-B14F-4D97-AF65-F5344CB8AC3E}">
         <p14:creationId xmlns:p14="http://schemas.microsoft.com/office/powerpoint/2010/main" val="4227229836"/>
+      </p:ext>
+    </p:extLst>
+  </p:cSld>
+  <p:clrMapOvr>
+    <a:masterClrMapping/>
+  </p:clrMapOvr>
+</p:sld>
+</file>
+
+<file path=ppt/slides/slide9.xml><?xml version="1.0" encoding="utf-8"?>
+<p:sld xmlns:a="http://schemas.openxmlformats.org/drawingml/2006/main" xmlns:r="http://schemas.openxmlformats.org/officeDocument/2006/relationships" xmlns:p="http://schemas.openxmlformats.org/presentationml/2006/main">
+  <p:cSld>
+    <p:spTree>
+      <p:nvGrpSpPr>
+        <p:cNvPr id="1" name=""/>
+        <p:cNvGrpSpPr/>
+        <p:nvPr/>
+      </p:nvGrpSpPr>
+      <p:grpSpPr>
+        <a:xfrm>
+          <a:off x="0" y="0"/>
+          <a:ext cx="0" cy="0"/>
+          <a:chOff x="0" y="0"/>
+          <a:chExt cx="0" cy="0"/>
+        </a:xfrm>
+      </p:grpSpPr>
+      <p:grpSp>
+        <p:nvGrpSpPr>
+          <p:cNvPr id="6" name="グループ化 5">
+            <a:extLst>
+              <a:ext uri="{FF2B5EF4-FFF2-40B4-BE49-F238E27FC236}">
+                <a16:creationId xmlns:a16="http://schemas.microsoft.com/office/drawing/2014/main" id="{636785DD-8CA6-F9D5-E2A1-731B798C0FEE}"/>
+              </a:ext>
+            </a:extLst>
+          </p:cNvPr>
+          <p:cNvGrpSpPr/>
+          <p:nvPr/>
+        </p:nvGrpSpPr>
+        <p:grpSpPr>
+          <a:xfrm>
+            <a:off x="3693391" y="1629000"/>
+            <a:ext cx="4805217" cy="3600000"/>
+            <a:chOff x="3693391" y="1629000"/>
+            <a:chExt cx="4805217" cy="3600000"/>
+          </a:xfrm>
+        </p:grpSpPr>
+        <p:pic>
+          <p:nvPicPr>
+            <p:cNvPr id="3" name="図 2" descr="屋内, 座る, テーブル, 鍋 が含まれている画像&#10;&#10;自動的に生成された説明">
+              <a:extLst>
+                <a:ext uri="{FF2B5EF4-FFF2-40B4-BE49-F238E27FC236}">
+                  <a16:creationId xmlns:a16="http://schemas.microsoft.com/office/drawing/2014/main" id="{9AFE0C03-159E-4099-ACD0-CAAD17809823}"/>
+                </a:ext>
+              </a:extLst>
+            </p:cNvPr>
+            <p:cNvPicPr>
+              <a:picLocks noChangeAspect="1"/>
+            </p:cNvPicPr>
+            <p:nvPr/>
+          </p:nvPicPr>
+          <p:blipFill>
+            <a:blip r:embed="rId2"/>
+            <a:stretch>
+              <a:fillRect/>
+            </a:stretch>
+          </p:blipFill>
+          <p:spPr>
+            <a:xfrm>
+              <a:off x="3693391" y="1629000"/>
+              <a:ext cx="4805217" cy="3600000"/>
+            </a:xfrm>
+            <a:prstGeom prst="rect">
+              <a:avLst/>
+            </a:prstGeom>
+          </p:spPr>
+        </p:pic>
+        <p:sp>
+          <p:nvSpPr>
+            <p:cNvPr id="4" name="テキスト ボックス 3">
+              <a:extLst>
+                <a:ext uri="{FF2B5EF4-FFF2-40B4-BE49-F238E27FC236}">
+                  <a16:creationId xmlns:a16="http://schemas.microsoft.com/office/drawing/2014/main" id="{F9872F45-1A5E-461A-6D91-B6E5EBDA7448}"/>
+                </a:ext>
+              </a:extLst>
+            </p:cNvPr>
+            <p:cNvSpPr txBox="1"/>
+            <p:nvPr/>
+          </p:nvSpPr>
+          <p:spPr>
+            <a:xfrm>
+              <a:off x="7143750" y="1629000"/>
+              <a:ext cx="1354858" cy="695163"/>
+            </a:xfrm>
+            <a:prstGeom prst="rect">
+              <a:avLst/>
+            </a:prstGeom>
+            <a:noFill/>
+          </p:spPr>
+          <p:txBody>
+            <a:bodyPr wrap="none" tIns="216000" rtlCol="0">
+              <a:spAutoFit/>
+            </a:bodyPr>
+            <a:lstStyle/>
+            <a:p>
+              <a:r>
+                <a:rPr kumimoji="1" lang="en-US" altLang="ja-JP" sz="2800" b="1" dirty="0">
+                  <a:solidFill>
+                    <a:srgbClr val="FFFF00"/>
+                  </a:solidFill>
+                  <a:latin typeface="Helvetica Neue" panose="02000503000000020004" pitchFamily="2" charset="0"/>
+                  <a:ea typeface="Helvetica Neue" panose="02000503000000020004" pitchFamily="2" charset="0"/>
+                  <a:cs typeface="Helvetica Neue" panose="02000503000000020004" pitchFamily="2" charset="0"/>
+                </a:rPr>
+                <a:t>Acrylic</a:t>
+              </a:r>
+              <a:endParaRPr kumimoji="1" lang="ja-JP" altLang="en-US" sz="2800" b="1">
+                <a:solidFill>
+                  <a:srgbClr val="FFFF00"/>
+                </a:solidFill>
+                <a:latin typeface="Helvetica Neue" panose="02000503000000020004" pitchFamily="2" charset="0"/>
+                <a:cs typeface="Helvetica Neue" panose="02000503000000020004" pitchFamily="2" charset="0"/>
+              </a:endParaRPr>
+            </a:p>
+          </p:txBody>
+        </p:sp>
+        <p:sp>
+          <p:nvSpPr>
+            <p:cNvPr id="5" name="テキスト ボックス 4">
+              <a:extLst>
+                <a:ext uri="{FF2B5EF4-FFF2-40B4-BE49-F238E27FC236}">
+                  <a16:creationId xmlns:a16="http://schemas.microsoft.com/office/drawing/2014/main" id="{B5A4C813-9BBA-2085-D92B-AE52E022229D}"/>
+                </a:ext>
+              </a:extLst>
+            </p:cNvPr>
+            <p:cNvSpPr txBox="1"/>
+            <p:nvPr/>
+          </p:nvSpPr>
+          <p:spPr>
+            <a:xfrm>
+              <a:off x="7143750" y="3140853"/>
+              <a:ext cx="896399" cy="576293"/>
+            </a:xfrm>
+            <a:prstGeom prst="rect">
+              <a:avLst/>
+            </a:prstGeom>
+            <a:noFill/>
+          </p:spPr>
+          <p:txBody>
+            <a:bodyPr wrap="none" tIns="72000" bIns="72000" rtlCol="0">
+              <a:spAutoFit/>
+            </a:bodyPr>
+            <a:lstStyle/>
+            <a:p>
+              <a:r>
+                <a:rPr lang="en-US" altLang="ja-JP" sz="2800" b="1" dirty="0">
+                  <a:solidFill>
+                    <a:srgbClr val="00FA00"/>
+                  </a:solidFill>
+                  <a:latin typeface="Helvetica Neue" panose="02000503000000020004" pitchFamily="2" charset="0"/>
+                  <a:ea typeface="Helvetica Neue" panose="02000503000000020004" pitchFamily="2" charset="0"/>
+                  <a:cs typeface="Helvetica Neue" panose="02000503000000020004" pitchFamily="2" charset="0"/>
+                </a:rPr>
+                <a:t>FRP</a:t>
+              </a:r>
+              <a:endParaRPr kumimoji="1" lang="ja-JP" altLang="en-US" sz="2800" b="1">
+                <a:solidFill>
+                  <a:srgbClr val="00FA00"/>
+                </a:solidFill>
+                <a:latin typeface="Helvetica Neue" panose="02000503000000020004" pitchFamily="2" charset="0"/>
+                <a:cs typeface="Helvetica Neue" panose="02000503000000020004" pitchFamily="2" charset="0"/>
+              </a:endParaRPr>
+            </a:p>
+          </p:txBody>
+        </p:sp>
+      </p:grpSp>
+    </p:spTree>
+    <p:extLst>
+      <p:ext uri="{BB962C8B-B14F-4D97-AF65-F5344CB8AC3E}">
+        <p14:creationId xmlns:p14="http://schemas.microsoft.com/office/powerpoint/2010/main" val="68833101"/>
       </p:ext>
     </p:extLst>
   </p:cSld>
